--- a/course_material/week_16/week_16_presentation.pptx
+++ b/course_material/week_16/week_16_presentation.pptx
@@ -14,8 +14,8 @@
     <p:sldId id="318" r:id="rId5"/>
     <p:sldId id="319" r:id="rId6"/>
     <p:sldId id="311" r:id="rId7"/>
-    <p:sldId id="320" r:id="rId8"/>
-    <p:sldId id="322" r:id="rId9"/>
+    <p:sldId id="322" r:id="rId8"/>
+    <p:sldId id="320" r:id="rId9"/>
     <p:sldId id="321" r:id="rId10"/>
     <p:sldId id="323" r:id="rId11"/>
     <p:sldId id="271" r:id="rId12"/>
@@ -1833,7 +1833,7 @@
           <a:p>
             <a:fld id="{5CF9EFDB-215C-4120-ADCB-EAD745B7163E}" type="datetimeFigureOut">
               <a:rPr lang="en-US" smtClean="0"/>
-              <a:t>6/11/2021</a:t>
+              <a:t>6/16/2021</a:t>
             </a:fld>
             <a:endParaRPr lang="en-US"/>
           </a:p>
@@ -2396,7 +2396,10 @@
           <a:bodyPr/>
           <a:lstStyle/>
           <a:p>
-            <a:endParaRPr lang="en-US" dirty="0"/>
+            <a:r>
+              <a:rPr lang="en-US" dirty="0"/>
+              <a:t>https://towardsai.net/p/programming/decision-trees-explained-with-a-practical-example-fe47872d3b53</a:t>
+            </a:r>
           </a:p>
         </p:txBody>
       </p:sp>
@@ -2426,7 +2429,7 @@
     </p:spTree>
     <p:extLst>
       <p:ext uri="{BB962C8B-B14F-4D97-AF65-F5344CB8AC3E}">
-        <p14:creationId xmlns:p14="http://schemas.microsoft.com/office/powerpoint/2010/main" val="1151726694"/>
+        <p14:creationId xmlns:p14="http://schemas.microsoft.com/office/powerpoint/2010/main" val="3354802368"/>
       </p:ext>
     </p:extLst>
   </p:cSld>
@@ -2480,10 +2483,7 @@
           <a:bodyPr/>
           <a:lstStyle/>
           <a:p>
-            <a:r>
-              <a:rPr lang="en-US" dirty="0"/>
-              <a:t>https://towardsai.net/p/programming/decision-trees-explained-with-a-practical-example-fe47872d3b53</a:t>
-            </a:r>
+            <a:endParaRPr lang="en-US" dirty="0"/>
           </a:p>
         </p:txBody>
       </p:sp>
@@ -2513,7 +2513,7 @@
     </p:spTree>
     <p:extLst>
       <p:ext uri="{BB962C8B-B14F-4D97-AF65-F5344CB8AC3E}">
-        <p14:creationId xmlns:p14="http://schemas.microsoft.com/office/powerpoint/2010/main" val="3354802368"/>
+        <p14:creationId xmlns:p14="http://schemas.microsoft.com/office/powerpoint/2010/main" val="1151726694"/>
       </p:ext>
     </p:extLst>
   </p:cSld>
@@ -2972,7 +2972,7 @@
           <a:p>
             <a:fld id="{ACF1A1B0-862D-4909-A7DB-D8ADA062DFCA}" type="datetimeFigureOut">
               <a:rPr lang="en-US" dirty="0"/>
-              <a:t>6/11/2021</a:t>
+              <a:t>6/16/2021</a:t>
             </a:fld>
             <a:endParaRPr lang="en-US"/>
           </a:p>
@@ -3195,7 +3195,7 @@
           <a:p>
             <a:fld id="{7B156144-9CB7-4E3A-B87E-A382F9BE05EF}" type="datetimeFigureOut">
               <a:rPr lang="en-US" dirty="0"/>
-              <a:t>6/11/2021</a:t>
+              <a:t>6/16/2021</a:t>
             </a:fld>
             <a:endParaRPr lang="en-US"/>
           </a:p>
@@ -3373,7 +3373,7 @@
           <a:p>
             <a:fld id="{2643D55F-46AB-4791-9172-4FA8DD3A6A9C}" type="datetimeFigureOut">
               <a:rPr lang="en-US" dirty="0"/>
-              <a:t>6/11/2021</a:t>
+              <a:t>6/16/2021</a:t>
             </a:fld>
             <a:endParaRPr lang="en-US"/>
           </a:p>
@@ -3541,7 +3541,7 @@
           <a:p>
             <a:fld id="{58026881-8A08-449C-8D73-E5F201F814C1}" type="datetimeFigureOut">
               <a:rPr lang="en-US" dirty="0"/>
-              <a:t>6/11/2021</a:t>
+              <a:t>6/16/2021</a:t>
             </a:fld>
             <a:endParaRPr lang="en-US"/>
           </a:p>
@@ -3831,7 +3831,7 @@
           <a:p>
             <a:fld id="{1BEB5A5E-0C07-4E93-A112-D37B4D166B30}" type="datetimeFigureOut">
               <a:rPr lang="en-US" dirty="0"/>
-              <a:t>6/11/2021</a:t>
+              <a:t>6/16/2021</a:t>
             </a:fld>
             <a:endParaRPr lang="en-US"/>
           </a:p>
@@ -4154,7 +4154,7 @@
           <a:p>
             <a:fld id="{9E1F71C5-DC57-4358-A1EA-30C08AF6E3C5}" type="datetimeFigureOut">
               <a:rPr lang="en-US" dirty="0"/>
-              <a:t>6/11/2021</a:t>
+              <a:t>6/16/2021</a:t>
             </a:fld>
             <a:endParaRPr lang="en-US"/>
           </a:p>
@@ -4563,7 +4563,7 @@
           <a:p>
             <a:fld id="{12571DBA-DE60-4731-B773-47AAA185C143}" type="datetimeFigureOut">
               <a:rPr lang="en-US" dirty="0"/>
-              <a:t>6/11/2021</a:t>
+              <a:t>6/16/2021</a:t>
             </a:fld>
             <a:endParaRPr lang="en-US"/>
           </a:p>
@@ -4680,7 +4680,7 @@
           <a:p>
             <a:fld id="{4F170639-886C-4FCF-9EAB-ABB5DA3F3F4A}" type="datetimeFigureOut">
               <a:rPr lang="en-US" dirty="0"/>
-              <a:t>6/11/2021</a:t>
+              <a:t>6/16/2021</a:t>
             </a:fld>
             <a:endParaRPr lang="en-US"/>
           </a:p>
@@ -4775,7 +4775,7 @@
           <a:p>
             <a:fld id="{34C4A628-C83B-4C66-83F4-1711CE3738FD}" type="datetimeFigureOut">
               <a:rPr lang="en-US" dirty="0"/>
-              <a:t>6/11/2021</a:t>
+              <a:t>6/16/2021</a:t>
             </a:fld>
             <a:endParaRPr lang="en-US"/>
           </a:p>
@@ -5060,7 +5060,7 @@
           <a:p>
             <a:fld id="{B88C1D73-9400-43CA-A37F-F9B7D00DE14C}" type="datetimeFigureOut">
               <a:rPr lang="en-US" dirty="0"/>
-              <a:t>6/11/2021</a:t>
+              <a:t>6/16/2021</a:t>
             </a:fld>
             <a:endParaRPr lang="en-US"/>
           </a:p>
@@ -5332,7 +5332,7 @@
           <a:p>
             <a:fld id="{188B7711-B905-4633-B4D7-6F3A49A2E7D9}" type="datetimeFigureOut">
               <a:rPr lang="en-US" dirty="0"/>
-              <a:t>6/11/2021</a:t>
+              <a:t>6/16/2021</a:t>
             </a:fld>
             <a:endParaRPr lang="en-US"/>
           </a:p>
@@ -5582,7 +5582,7 @@
             <a:fld id="{89C235CF-BDA2-4E7E-8BBD-350479985E74}" type="datetimeFigureOut">
               <a:rPr lang="en-US" dirty="0"/>
               <a:pPr/>
-              <a:t>6/11/2021</a:t>
+              <a:t>6/16/2021</a:t>
             </a:fld>
             <a:endParaRPr lang="en-US"/>
           </a:p>
@@ -6189,7 +6189,7 @@
         </p:nvSpPr>
         <p:spPr>
           <a:xfrm>
-            <a:off x="1021241" y="2140903"/>
+            <a:off x="1021241" y="1904841"/>
             <a:ext cx="8595360" cy="4351337"/>
           </a:xfrm>
         </p:spPr>
@@ -6200,6 +6200,12 @@
             <a:r>
               <a:rPr lang="en-US" dirty="0"/>
               <a:t>Information theory – information value of a message depends on how surprising the content of a message is</a:t>
+            </a:r>
+          </a:p>
+          <a:p>
+            <a:r>
+              <a:rPr lang="en-US" dirty="0"/>
+              <a:t>Information is measured in bits</a:t>
             </a:r>
           </a:p>
           <a:p>
@@ -6526,7 +6532,7 @@
           <a:p>
             <a:r>
               <a:rPr lang="en-US" dirty="0"/>
-              <a:t>Write a lambda that takes the following list and returns only the odd values in it. [1, 2, 3, 4, 5, 6, 7, 8, 9, 10]</a:t>
+              <a:t>Write a lambda that takes the following list and returns only the odd values in it. [1, 2, 3, 4, 5, 6, 7, 8, 9, 10] . </a:t>
             </a:r>
           </a:p>
           <a:p>
@@ -7076,30 +7082,28 @@
               <a:t>word:</a:t>
             </a:r>
             <a:r>
-              <a:rPr lang="en-US" b="0" i="0" dirty="0" err="1">
+              <a:rPr lang="en-US" b="1" i="0" dirty="0" err="1">
                 <a:solidFill>
                   <a:schemeClr val="tx1"/>
                 </a:solidFill>
                 <a:effectLst/>
                 <a:latin typeface="Slack-Lato"/>
               </a:rPr>
-              <a:t>CSSConjurer</a:t>
+              <a:t>TerrificTSQL</a:t>
             </a:r>
             <a:r>
               <a:rPr lang="en-US" b="0" i="0" dirty="0">
                 <a:solidFill>
-                  <a:srgbClr val="1D1C1D"/>
+                  <a:schemeClr val="tx1"/>
                 </a:solidFill>
                 <a:effectLst/>
                 <a:latin typeface="Slack-Lato"/>
               </a:rPr>
-              <a:t> </a:t>
+              <a:t>  </a:t>
             </a:r>
             <a:endParaRPr lang="en-US" dirty="0">
               <a:solidFill>
-                <a:schemeClr val="tx1">
-                  <a:lumMod val="95000"/>
-                </a:schemeClr>
+                <a:schemeClr val="tx1"/>
               </a:solidFill>
             </a:endParaRPr>
           </a:p>
@@ -7119,6 +7123,242 @@
 </file>
 
 <file path=ppt/slides/slide7.xml><?xml version="1.0" encoding="utf-8"?>
+<p:sld xmlns:a="http://schemas.openxmlformats.org/drawingml/2006/main" xmlns:r="http://schemas.openxmlformats.org/officeDocument/2006/relationships" xmlns:p="http://schemas.openxmlformats.org/presentationml/2006/main">
+  <p:cSld>
+    <p:bg>
+      <p:bgPr>
+        <a:solidFill>
+          <a:schemeClr val="bg1"/>
+        </a:solidFill>
+        <a:effectLst/>
+      </p:bgPr>
+    </p:bg>
+    <p:spTree>
+      <p:nvGrpSpPr>
+        <p:cNvPr id="1" name=""/>
+        <p:cNvGrpSpPr/>
+        <p:nvPr/>
+      </p:nvGrpSpPr>
+      <p:grpSpPr>
+        <a:xfrm>
+          <a:off x="0" y="0"/>
+          <a:ext cx="0" cy="0"/>
+          <a:chOff x="0" y="0"/>
+          <a:chExt cx="0" cy="0"/>
+        </a:xfrm>
+      </p:grpSpPr>
+      <p:sp>
+        <p:nvSpPr>
+          <p:cNvPr id="77" name="Rectangle 76">
+            <a:extLst>
+              <a:ext uri="{FF2B5EF4-FFF2-40B4-BE49-F238E27FC236}">
+                <a16:creationId xmlns:a16="http://schemas.microsoft.com/office/drawing/2014/main" id="{F0FD769F-BDEE-4149-8C98-A92F1F8A145F}"/>
+              </a:ext>
+              <a:ext uri="{C183D7F6-B498-43B3-948B-1728B52AA6E4}">
+                <adec:decorative xmlns:adec="http://schemas.microsoft.com/office/drawing/2017/decorative" val="1"/>
+              </a:ext>
+            </a:extLst>
+          </p:cNvPr>
+          <p:cNvSpPr>
+            <a:spLocks noGrp="1" noRot="1" noChangeAspect="1" noMove="1" noResize="1" noEditPoints="1" noAdjustHandles="1" noChangeArrowheads="1" noChangeShapeType="1" noTextEdit="1"/>
+          </p:cNvSpPr>
+          <p:nvPr>
+            <p:extLst>
+              <p:ext uri="{386F3935-93C4-4BCD-93E2-E3B085C9AB24}">
+                <p16:designElem xmlns:p16="http://schemas.microsoft.com/office/powerpoint/2015/main" val="1"/>
+              </p:ext>
+            </p:extLst>
+          </p:nvPr>
+        </p:nvSpPr>
+        <p:spPr>
+          <a:xfrm>
+            <a:off x="11292840" y="0"/>
+            <a:ext cx="914400" cy="6858000"/>
+          </a:xfrm>
+          <a:prstGeom prst="rect">
+            <a:avLst/>
+          </a:prstGeom>
+          <a:solidFill>
+            <a:srgbClr val="303030"/>
+          </a:solidFill>
+          <a:ln>
+            <a:noFill/>
+          </a:ln>
+        </p:spPr>
+        <p:style>
+          <a:lnRef idx="2">
+            <a:schemeClr val="accent1">
+              <a:shade val="50000"/>
+            </a:schemeClr>
+          </a:lnRef>
+          <a:fillRef idx="1">
+            <a:schemeClr val="accent1"/>
+          </a:fillRef>
+          <a:effectRef idx="0">
+            <a:schemeClr val="accent1"/>
+          </a:effectRef>
+          <a:fontRef idx="minor">
+            <a:schemeClr val="lt1"/>
+          </a:fontRef>
+        </p:style>
+      </p:sp>
+      <p:sp>
+        <p:nvSpPr>
+          <p:cNvPr id="79" name="Rectangle 78">
+            <a:extLst>
+              <a:ext uri="{FF2B5EF4-FFF2-40B4-BE49-F238E27FC236}">
+                <a16:creationId xmlns:a16="http://schemas.microsoft.com/office/drawing/2014/main" id="{DC00EF3B-797F-4060-9460-6EEF08B1B150}"/>
+              </a:ext>
+              <a:ext uri="{C183D7F6-B498-43B3-948B-1728B52AA6E4}">
+                <adec:decorative xmlns:adec="http://schemas.microsoft.com/office/drawing/2017/decorative" val="1"/>
+              </a:ext>
+            </a:extLst>
+          </p:cNvPr>
+          <p:cNvSpPr>
+            <a:spLocks noGrp="1" noRot="1" noChangeAspect="1" noMove="1" noResize="1" noEditPoints="1" noAdjustHandles="1" noChangeArrowheads="1" noChangeShapeType="1" noTextEdit="1"/>
+          </p:cNvSpPr>
+          <p:nvPr>
+            <p:extLst>
+              <p:ext uri="{386F3935-93C4-4BCD-93E2-E3B085C9AB24}">
+                <p16:designElem xmlns:p16="http://schemas.microsoft.com/office/powerpoint/2015/main" val="1"/>
+              </p:ext>
+            </p:extLst>
+          </p:nvPr>
+        </p:nvSpPr>
+        <p:spPr>
+          <a:xfrm>
+            <a:off x="0" y="0"/>
+            <a:ext cx="457200" cy="6858000"/>
+          </a:xfrm>
+          <a:prstGeom prst="rect">
+            <a:avLst/>
+          </a:prstGeom>
+          <a:solidFill>
+            <a:srgbClr val="303030"/>
+          </a:solidFill>
+          <a:ln>
+            <a:noFill/>
+          </a:ln>
+        </p:spPr>
+        <p:style>
+          <a:lnRef idx="2">
+            <a:schemeClr val="accent1">
+              <a:shade val="50000"/>
+            </a:schemeClr>
+          </a:lnRef>
+          <a:fillRef idx="1">
+            <a:schemeClr val="accent1"/>
+          </a:fillRef>
+          <a:effectRef idx="0">
+            <a:schemeClr val="accent1"/>
+          </a:effectRef>
+          <a:fontRef idx="minor">
+            <a:schemeClr val="lt1"/>
+          </a:fontRef>
+        </p:style>
+      </p:sp>
+      <p:sp>
+        <p:nvSpPr>
+          <p:cNvPr id="2" name="Title 1">
+            <a:extLst>
+              <a:ext uri="{FF2B5EF4-FFF2-40B4-BE49-F238E27FC236}">
+                <a16:creationId xmlns:a16="http://schemas.microsoft.com/office/drawing/2014/main" id="{47F30283-BEEE-43E7-B9EB-0195E7155CCC}"/>
+              </a:ext>
+            </a:extLst>
+          </p:cNvPr>
+          <p:cNvSpPr>
+            <a:spLocks noGrp="1"/>
+          </p:cNvSpPr>
+          <p:nvPr>
+            <p:ph type="title"/>
+          </p:nvPr>
+        </p:nvSpPr>
+        <p:spPr>
+          <a:xfrm>
+            <a:off x="8180438" y="758952"/>
+            <a:ext cx="2853005" cy="4041648"/>
+          </a:xfrm>
+        </p:spPr>
+        <p:txBody>
+          <a:bodyPr vert="horz" lIns="91440" tIns="45720" rIns="91440" bIns="45720" rtlCol="0" anchor="b">
+            <a:normAutofit/>
+          </a:bodyPr>
+          <a:lstStyle/>
+          <a:p>
+            <a:pPr>
+              <a:lnSpc>
+                <a:spcPct val="85000"/>
+              </a:lnSpc>
+            </a:pPr>
+            <a:r>
+              <a:rPr lang="en-US" sz="5100"/>
+              <a:t>Decision Tree</a:t>
+            </a:r>
+          </a:p>
+        </p:txBody>
+      </p:sp>
+      <p:pic>
+        <p:nvPicPr>
+          <p:cNvPr id="1028" name="Picture 4" descr="Decision Trees Explained With a Practical Example – Towards AI — The Best  of Tech, Science, and Engineering">
+            <a:extLst>
+              <a:ext uri="{FF2B5EF4-FFF2-40B4-BE49-F238E27FC236}">
+                <a16:creationId xmlns:a16="http://schemas.microsoft.com/office/drawing/2014/main" id="{B039C35A-0060-4239-AB18-744A7B31B603}"/>
+              </a:ext>
+            </a:extLst>
+          </p:cNvPr>
+          <p:cNvPicPr>
+            <a:picLocks noGrp="1" noChangeAspect="1" noChangeArrowheads="1"/>
+          </p:cNvPicPr>
+          <p:nvPr>
+            <p:ph idx="1"/>
+          </p:nvPr>
+        </p:nvPicPr>
+        <p:blipFill>
+          <a:blip r:embed="rId3">
+            <a:extLst>
+              <a:ext uri="{28A0092B-C50C-407E-A947-70E740481C1C}">
+                <a14:useLocalDpi xmlns:a14="http://schemas.microsoft.com/office/drawing/2010/main" val="0"/>
+              </a:ext>
+            </a:extLst>
+          </a:blip>
+          <a:stretch>
+            <a:fillRect/>
+          </a:stretch>
+        </p:blipFill>
+        <p:spPr bwMode="auto">
+          <a:xfrm>
+            <a:off x="944183" y="1356694"/>
+            <a:ext cx="6616823" cy="4135513"/>
+          </a:xfrm>
+          <a:prstGeom prst="rect">
+            <a:avLst/>
+          </a:prstGeom>
+          <a:noFill/>
+          <a:extLst>
+            <a:ext uri="{909E8E84-426E-40DD-AFC4-6F175D3DCCD1}">
+              <a14:hiddenFill xmlns:a14="http://schemas.microsoft.com/office/drawing/2010/main">
+                <a:solidFill>
+                  <a:srgbClr val="FFFFFF"/>
+                </a:solidFill>
+              </a14:hiddenFill>
+            </a:ext>
+          </a:extLst>
+        </p:spPr>
+      </p:pic>
+    </p:spTree>
+    <p:extLst>
+      <p:ext uri="{BB962C8B-B14F-4D97-AF65-F5344CB8AC3E}">
+        <p14:creationId xmlns:p14="http://schemas.microsoft.com/office/powerpoint/2010/main" val="2980012222"/>
+      </p:ext>
+    </p:extLst>
+  </p:cSld>
+  <p:clrMapOvr>
+    <a:masterClrMapping/>
+  </p:clrMapOvr>
+</p:sld>
+</file>
+
+<file path=ppt/slides/slide8.xml><?xml version="1.0" encoding="utf-8"?>
 <p:sld xmlns:a="http://schemas.openxmlformats.org/drawingml/2006/main" xmlns:r="http://schemas.openxmlformats.org/officeDocument/2006/relationships" xmlns:p="http://schemas.openxmlformats.org/presentationml/2006/main">
   <p:cSld>
     <p:spTree>
@@ -7500,242 +7740,6 @@
       </p:par>
     </p:tnLst>
   </p:timing>
-</p:sld>
-</file>
-
-<file path=ppt/slides/slide8.xml><?xml version="1.0" encoding="utf-8"?>
-<p:sld xmlns:a="http://schemas.openxmlformats.org/drawingml/2006/main" xmlns:r="http://schemas.openxmlformats.org/officeDocument/2006/relationships" xmlns:p="http://schemas.openxmlformats.org/presentationml/2006/main">
-  <p:cSld>
-    <p:bg>
-      <p:bgPr>
-        <a:solidFill>
-          <a:schemeClr val="bg1"/>
-        </a:solidFill>
-        <a:effectLst/>
-      </p:bgPr>
-    </p:bg>
-    <p:spTree>
-      <p:nvGrpSpPr>
-        <p:cNvPr id="1" name=""/>
-        <p:cNvGrpSpPr/>
-        <p:nvPr/>
-      </p:nvGrpSpPr>
-      <p:grpSpPr>
-        <a:xfrm>
-          <a:off x="0" y="0"/>
-          <a:ext cx="0" cy="0"/>
-          <a:chOff x="0" y="0"/>
-          <a:chExt cx="0" cy="0"/>
-        </a:xfrm>
-      </p:grpSpPr>
-      <p:sp>
-        <p:nvSpPr>
-          <p:cNvPr id="77" name="Rectangle 76">
-            <a:extLst>
-              <a:ext uri="{FF2B5EF4-FFF2-40B4-BE49-F238E27FC236}">
-                <a16:creationId xmlns:a16="http://schemas.microsoft.com/office/drawing/2014/main" id="{F0FD769F-BDEE-4149-8C98-A92F1F8A145F}"/>
-              </a:ext>
-              <a:ext uri="{C183D7F6-B498-43B3-948B-1728B52AA6E4}">
-                <adec:decorative xmlns:adec="http://schemas.microsoft.com/office/drawing/2017/decorative" val="1"/>
-              </a:ext>
-            </a:extLst>
-          </p:cNvPr>
-          <p:cNvSpPr>
-            <a:spLocks noGrp="1" noRot="1" noChangeAspect="1" noMove="1" noResize="1" noEditPoints="1" noAdjustHandles="1" noChangeArrowheads="1" noChangeShapeType="1" noTextEdit="1"/>
-          </p:cNvSpPr>
-          <p:nvPr>
-            <p:extLst>
-              <p:ext uri="{386F3935-93C4-4BCD-93E2-E3B085C9AB24}">
-                <p16:designElem xmlns:p16="http://schemas.microsoft.com/office/powerpoint/2015/main" val="1"/>
-              </p:ext>
-            </p:extLst>
-          </p:nvPr>
-        </p:nvSpPr>
-        <p:spPr>
-          <a:xfrm>
-            <a:off x="11292840" y="0"/>
-            <a:ext cx="914400" cy="6858000"/>
-          </a:xfrm>
-          <a:prstGeom prst="rect">
-            <a:avLst/>
-          </a:prstGeom>
-          <a:solidFill>
-            <a:srgbClr val="303030"/>
-          </a:solidFill>
-          <a:ln>
-            <a:noFill/>
-          </a:ln>
-        </p:spPr>
-        <p:style>
-          <a:lnRef idx="2">
-            <a:schemeClr val="accent1">
-              <a:shade val="50000"/>
-            </a:schemeClr>
-          </a:lnRef>
-          <a:fillRef idx="1">
-            <a:schemeClr val="accent1"/>
-          </a:fillRef>
-          <a:effectRef idx="0">
-            <a:schemeClr val="accent1"/>
-          </a:effectRef>
-          <a:fontRef idx="minor">
-            <a:schemeClr val="lt1"/>
-          </a:fontRef>
-        </p:style>
-      </p:sp>
-      <p:sp>
-        <p:nvSpPr>
-          <p:cNvPr id="79" name="Rectangle 78">
-            <a:extLst>
-              <a:ext uri="{FF2B5EF4-FFF2-40B4-BE49-F238E27FC236}">
-                <a16:creationId xmlns:a16="http://schemas.microsoft.com/office/drawing/2014/main" id="{DC00EF3B-797F-4060-9460-6EEF08B1B150}"/>
-              </a:ext>
-              <a:ext uri="{C183D7F6-B498-43B3-948B-1728B52AA6E4}">
-                <adec:decorative xmlns:adec="http://schemas.microsoft.com/office/drawing/2017/decorative" val="1"/>
-              </a:ext>
-            </a:extLst>
-          </p:cNvPr>
-          <p:cNvSpPr>
-            <a:spLocks noGrp="1" noRot="1" noChangeAspect="1" noMove="1" noResize="1" noEditPoints="1" noAdjustHandles="1" noChangeArrowheads="1" noChangeShapeType="1" noTextEdit="1"/>
-          </p:cNvSpPr>
-          <p:nvPr>
-            <p:extLst>
-              <p:ext uri="{386F3935-93C4-4BCD-93E2-E3B085C9AB24}">
-                <p16:designElem xmlns:p16="http://schemas.microsoft.com/office/powerpoint/2015/main" val="1"/>
-              </p:ext>
-            </p:extLst>
-          </p:nvPr>
-        </p:nvSpPr>
-        <p:spPr>
-          <a:xfrm>
-            <a:off x="0" y="0"/>
-            <a:ext cx="457200" cy="6858000"/>
-          </a:xfrm>
-          <a:prstGeom prst="rect">
-            <a:avLst/>
-          </a:prstGeom>
-          <a:solidFill>
-            <a:srgbClr val="303030"/>
-          </a:solidFill>
-          <a:ln>
-            <a:noFill/>
-          </a:ln>
-        </p:spPr>
-        <p:style>
-          <a:lnRef idx="2">
-            <a:schemeClr val="accent1">
-              <a:shade val="50000"/>
-            </a:schemeClr>
-          </a:lnRef>
-          <a:fillRef idx="1">
-            <a:schemeClr val="accent1"/>
-          </a:fillRef>
-          <a:effectRef idx="0">
-            <a:schemeClr val="accent1"/>
-          </a:effectRef>
-          <a:fontRef idx="minor">
-            <a:schemeClr val="lt1"/>
-          </a:fontRef>
-        </p:style>
-      </p:sp>
-      <p:sp>
-        <p:nvSpPr>
-          <p:cNvPr id="2" name="Title 1">
-            <a:extLst>
-              <a:ext uri="{FF2B5EF4-FFF2-40B4-BE49-F238E27FC236}">
-                <a16:creationId xmlns:a16="http://schemas.microsoft.com/office/drawing/2014/main" id="{47F30283-BEEE-43E7-B9EB-0195E7155CCC}"/>
-              </a:ext>
-            </a:extLst>
-          </p:cNvPr>
-          <p:cNvSpPr>
-            <a:spLocks noGrp="1"/>
-          </p:cNvSpPr>
-          <p:nvPr>
-            <p:ph type="title"/>
-          </p:nvPr>
-        </p:nvSpPr>
-        <p:spPr>
-          <a:xfrm>
-            <a:off x="8180438" y="758952"/>
-            <a:ext cx="2853005" cy="4041648"/>
-          </a:xfrm>
-        </p:spPr>
-        <p:txBody>
-          <a:bodyPr vert="horz" lIns="91440" tIns="45720" rIns="91440" bIns="45720" rtlCol="0" anchor="b">
-            <a:normAutofit/>
-          </a:bodyPr>
-          <a:lstStyle/>
-          <a:p>
-            <a:pPr>
-              <a:lnSpc>
-                <a:spcPct val="85000"/>
-              </a:lnSpc>
-            </a:pPr>
-            <a:r>
-              <a:rPr lang="en-US" sz="5100"/>
-              <a:t>Decision Tree</a:t>
-            </a:r>
-          </a:p>
-        </p:txBody>
-      </p:sp>
-      <p:pic>
-        <p:nvPicPr>
-          <p:cNvPr id="1028" name="Picture 4" descr="Decision Trees Explained With a Practical Example – Towards AI — The Best  of Tech, Science, and Engineering">
-            <a:extLst>
-              <a:ext uri="{FF2B5EF4-FFF2-40B4-BE49-F238E27FC236}">
-                <a16:creationId xmlns:a16="http://schemas.microsoft.com/office/drawing/2014/main" id="{B039C35A-0060-4239-AB18-744A7B31B603}"/>
-              </a:ext>
-            </a:extLst>
-          </p:cNvPr>
-          <p:cNvPicPr>
-            <a:picLocks noGrp="1" noChangeAspect="1" noChangeArrowheads="1"/>
-          </p:cNvPicPr>
-          <p:nvPr>
-            <p:ph idx="1"/>
-          </p:nvPr>
-        </p:nvPicPr>
-        <p:blipFill>
-          <a:blip r:embed="rId3">
-            <a:extLst>
-              <a:ext uri="{28A0092B-C50C-407E-A947-70E740481C1C}">
-                <a14:useLocalDpi xmlns:a14="http://schemas.microsoft.com/office/drawing/2010/main" val="0"/>
-              </a:ext>
-            </a:extLst>
-          </a:blip>
-          <a:stretch>
-            <a:fillRect/>
-          </a:stretch>
-        </p:blipFill>
-        <p:spPr bwMode="auto">
-          <a:xfrm>
-            <a:off x="944183" y="1356694"/>
-            <a:ext cx="6616823" cy="4135513"/>
-          </a:xfrm>
-          <a:prstGeom prst="rect">
-            <a:avLst/>
-          </a:prstGeom>
-          <a:noFill/>
-          <a:extLst>
-            <a:ext uri="{909E8E84-426E-40DD-AFC4-6F175D3DCCD1}">
-              <a14:hiddenFill xmlns:a14="http://schemas.microsoft.com/office/drawing/2010/main">
-                <a:solidFill>
-                  <a:srgbClr val="FFFFFF"/>
-                </a:solidFill>
-              </a14:hiddenFill>
-            </a:ext>
-          </a:extLst>
-        </p:spPr>
-      </p:pic>
-    </p:spTree>
-    <p:extLst>
-      <p:ext uri="{BB962C8B-B14F-4D97-AF65-F5344CB8AC3E}">
-        <p14:creationId xmlns:p14="http://schemas.microsoft.com/office/powerpoint/2010/main" val="2980012222"/>
-      </p:ext>
-    </p:extLst>
-  </p:cSld>
-  <p:clrMapOvr>
-    <a:masterClrMapping/>
-  </p:clrMapOvr>
 </p:sld>
 </file>
 
